--- a/Write/作图-2019-positive/correlation-作图20190716/箱图作图1+2.pptx
+++ b/Write/作图-2019-positive/correlation-作图20190716/箱图作图1+2.pptx
@@ -1003,16 +1003,19 @@
           <a:lstStyle/>
           <a:p>
             <a:pPr algn="ctr" rtl="0">
-              <a:defRPr sz="900" b="0">
+              <a:defRPr sz="1000" b="0">
                 <a:solidFill>
-                  <a:srgbClr val="595959"/>
+                  <a:schemeClr val="tx1"/>
                 </a:solidFill>
                 <a:latin typeface="Times New Roman" panose="02020603050405020304" pitchFamily="18" charset="0"/>
                 <a:ea typeface="Times New Roman" panose="02020603050405020304" pitchFamily="18" charset="0"/>
                 <a:cs typeface="Times New Roman" panose="02020603050405020304" pitchFamily="18" charset="0"/>
               </a:defRPr>
             </a:pPr>
-            <a:endParaRPr lang="zh-CN" altLang="en-US">
+            <a:endParaRPr lang="zh-CN" altLang="en-US" sz="1000">
+              <a:solidFill>
+                <a:schemeClr val="tx1"/>
+              </a:solidFill>
               <a:latin typeface="Times New Roman" panose="02020603050405020304" pitchFamily="18" charset="0"/>
               <a:cs typeface="Times New Roman" panose="02020603050405020304" pitchFamily="18" charset="0"/>
             </a:endParaRPr>
@@ -1550,7 +1553,7 @@
         </cx:series>
       </cx:plotAreaRegion>
       <cx:axis id="0" hidden="1">
-        <cx:catScaling gapWidth="0.389999986"/>
+        <cx:catScaling gapWidth="1.19000006"/>
         <cx:tickLabels/>
         <cx:txPr>
           <a:bodyPr vertOverflow="overflow" horzOverflow="overflow" wrap="square" lIns="0" tIns="0" rIns="0" bIns="0"/>
@@ -1640,7 +1643,7 @@
           <a:lstStyle/>
           <a:p>
             <a:pPr algn="ctr" rtl="0">
-              <a:defRPr lang="zh-CN" sz="900" b="0" i="0" u="none" strike="noStrike" baseline="0">
+              <a:defRPr lang="zh-CN" sz="1000" b="0" i="0" u="none" strike="noStrike" baseline="0">
                 <a:solidFill>
                   <a:sysClr val="windowText" lastClr="000000"/>
                 </a:solidFill>
@@ -1649,7 +1652,7 @@
                 <a:cs typeface="Times New Roman" panose="02020603050405020304" pitchFamily="18" charset="0"/>
               </a:defRPr>
             </a:pPr>
-            <a:endParaRPr lang="zh-CN" altLang="en-US" sz="900" b="0" i="0" u="none" strike="noStrike" baseline="0">
+            <a:endParaRPr lang="zh-CN" altLang="en-US" sz="1000" b="0" i="0" u="none" strike="noStrike" baseline="0">
               <a:solidFill>
                 <a:sysClr val="windowText" lastClr="000000"/>
               </a:solidFill>
@@ -2954,7 +2957,7 @@
           <a:p>
             <a:fld id="{6C6B3C56-F79A-4E48-A4C7-D9292F784E12}" type="datetimeFigureOut">
               <a:rPr lang="zh-CN" altLang="en-US" smtClean="0"/>
-              <a:t>2019/7/18</a:t>
+              <a:t>2019/7/22</a:t>
             </a:fld>
             <a:endParaRPr lang="zh-CN" altLang="en-US"/>
           </a:p>
@@ -3152,7 +3155,7 @@
           <a:p>
             <a:fld id="{6C6B3C56-F79A-4E48-A4C7-D9292F784E12}" type="datetimeFigureOut">
               <a:rPr lang="zh-CN" altLang="en-US" smtClean="0"/>
-              <a:t>2019/7/18</a:t>
+              <a:t>2019/7/22</a:t>
             </a:fld>
             <a:endParaRPr lang="zh-CN" altLang="en-US"/>
           </a:p>
@@ -3360,7 +3363,7 @@
           <a:p>
             <a:fld id="{6C6B3C56-F79A-4E48-A4C7-D9292F784E12}" type="datetimeFigureOut">
               <a:rPr lang="zh-CN" altLang="en-US" smtClean="0"/>
-              <a:t>2019/7/18</a:t>
+              <a:t>2019/7/22</a:t>
             </a:fld>
             <a:endParaRPr lang="zh-CN" altLang="en-US"/>
           </a:p>
@@ -3558,7 +3561,7 @@
           <a:p>
             <a:fld id="{6C6B3C56-F79A-4E48-A4C7-D9292F784E12}" type="datetimeFigureOut">
               <a:rPr lang="zh-CN" altLang="en-US" smtClean="0"/>
-              <a:t>2019/7/18</a:t>
+              <a:t>2019/7/22</a:t>
             </a:fld>
             <a:endParaRPr lang="zh-CN" altLang="en-US"/>
           </a:p>
@@ -3833,7 +3836,7 @@
           <a:p>
             <a:fld id="{6C6B3C56-F79A-4E48-A4C7-D9292F784E12}" type="datetimeFigureOut">
               <a:rPr lang="zh-CN" altLang="en-US" smtClean="0"/>
-              <a:t>2019/7/18</a:t>
+              <a:t>2019/7/22</a:t>
             </a:fld>
             <a:endParaRPr lang="zh-CN" altLang="en-US"/>
           </a:p>
@@ -4098,7 +4101,7 @@
           <a:p>
             <a:fld id="{6C6B3C56-F79A-4E48-A4C7-D9292F784E12}" type="datetimeFigureOut">
               <a:rPr lang="zh-CN" altLang="en-US" smtClean="0"/>
-              <a:t>2019/7/18</a:t>
+              <a:t>2019/7/22</a:t>
             </a:fld>
             <a:endParaRPr lang="zh-CN" altLang="en-US"/>
           </a:p>
@@ -4510,7 +4513,7 @@
           <a:p>
             <a:fld id="{6C6B3C56-F79A-4E48-A4C7-D9292F784E12}" type="datetimeFigureOut">
               <a:rPr lang="zh-CN" altLang="en-US" smtClean="0"/>
-              <a:t>2019/7/18</a:t>
+              <a:t>2019/7/22</a:t>
             </a:fld>
             <a:endParaRPr lang="zh-CN" altLang="en-US"/>
           </a:p>
@@ -4651,7 +4654,7 @@
           <a:p>
             <a:fld id="{6C6B3C56-F79A-4E48-A4C7-D9292F784E12}" type="datetimeFigureOut">
               <a:rPr lang="zh-CN" altLang="en-US" smtClean="0"/>
-              <a:t>2019/7/18</a:t>
+              <a:t>2019/7/22</a:t>
             </a:fld>
             <a:endParaRPr lang="zh-CN" altLang="en-US"/>
           </a:p>
@@ -4764,7 +4767,7 @@
           <a:p>
             <a:fld id="{6C6B3C56-F79A-4E48-A4C7-D9292F784E12}" type="datetimeFigureOut">
               <a:rPr lang="zh-CN" altLang="en-US" smtClean="0"/>
-              <a:t>2019/7/18</a:t>
+              <a:t>2019/7/22</a:t>
             </a:fld>
             <a:endParaRPr lang="zh-CN" altLang="en-US"/>
           </a:p>
@@ -5075,7 +5078,7 @@
           <a:p>
             <a:fld id="{6C6B3C56-F79A-4E48-A4C7-D9292F784E12}" type="datetimeFigureOut">
               <a:rPr lang="zh-CN" altLang="en-US" smtClean="0"/>
-              <a:t>2019/7/18</a:t>
+              <a:t>2019/7/22</a:t>
             </a:fld>
             <a:endParaRPr lang="zh-CN" altLang="en-US"/>
           </a:p>
@@ -5363,7 +5366,7 @@
           <a:p>
             <a:fld id="{6C6B3C56-F79A-4E48-A4C7-D9292F784E12}" type="datetimeFigureOut">
               <a:rPr lang="zh-CN" altLang="en-US" smtClean="0"/>
-              <a:t>2019/7/18</a:t>
+              <a:t>2019/7/22</a:t>
             </a:fld>
             <a:endParaRPr lang="zh-CN" altLang="en-US"/>
           </a:p>
@@ -5604,7 +5607,7 @@
           <a:p>
             <a:fld id="{6C6B3C56-F79A-4E48-A4C7-D9292F784E12}" type="datetimeFigureOut">
               <a:rPr lang="zh-CN" altLang="en-US" smtClean="0"/>
-              <a:t>2019/7/18</a:t>
+              <a:t>2019/7/22</a:t>
             </a:fld>
             <a:endParaRPr lang="zh-CN" altLang="en-US"/>
           </a:p>
@@ -6021,8 +6024,8 @@
           <a:chExt cx="0" cy="0"/>
         </a:xfrm>
       </p:grpSpPr>
-      <mc:AlternateContent xmlns:mc="http://schemas.openxmlformats.org/markup-compatibility/2006" xmlns:cx1="http://schemas.microsoft.com/office/drawing/2015/9/8/chartex">
-        <mc:Choice Requires="cx1">
+      <mc:AlternateContent xmlns:mc="http://schemas.openxmlformats.org/markup-compatibility/2006">
+        <mc:Choice xmlns:cx1="http://schemas.microsoft.com/office/drawing/2015/9/8/chartex" Requires="cx1">
           <p:graphicFrame>
             <p:nvGraphicFramePr>
               <p:cNvPr id="3" name="图表 2">
@@ -6036,7 +6039,7 @@
               <p:nvPr>
                 <p:extLst>
                   <p:ext uri="{D42A27DB-BD31-4B8C-83A1-F6EECF244321}">
-                    <p14:modId xmlns:p14="http://schemas.microsoft.com/office/powerpoint/2010/main" val="2903594610"/>
+                    <p14:modId xmlns:p14="http://schemas.microsoft.com/office/powerpoint/2010/main" val="764667984"/>
                   </p:ext>
                 </p:extLst>
               </p:nvPr>
@@ -6052,7 +6055,7 @@
             </a:graphic>
           </p:graphicFrame>
         </mc:Choice>
-        <mc:Fallback xmlns="">
+        <mc:Fallback>
           <p:pic>
             <p:nvPicPr>
               <p:cNvPr id="3" name="图表 2">
@@ -6100,14 +6103,14 @@
               <p:nvPr>
                 <p:extLst>
                   <p:ext uri="{D42A27DB-BD31-4B8C-83A1-F6EECF244321}">
-                    <p14:modId xmlns:p14="http://schemas.microsoft.com/office/powerpoint/2010/main" val="77871896"/>
+                    <p14:modId xmlns:p14="http://schemas.microsoft.com/office/powerpoint/2010/main" val="2501177289"/>
                   </p:ext>
                 </p:extLst>
               </p:nvPr>
             </p:nvGraphicFramePr>
             <p:xfrm>
-              <a:off x="1655176" y="1874453"/>
-              <a:ext cx="3319072" cy="2999742"/>
+              <a:off x="1233345" y="1873196"/>
+              <a:ext cx="4371974" cy="2999742"/>
             </p:xfrm>
             <a:graphic>
               <a:graphicData uri="http://schemas.microsoft.com/office/drawing/2014/chartex">
@@ -6139,8 +6142,8 @@
             </p:blipFill>
             <p:spPr>
               <a:xfrm>
-                <a:off x="1655176" y="1874453"/>
-                <a:ext cx="3319072" cy="2999742"/>
+                <a:off x="1233345" y="1873196"/>
+                <a:ext cx="4371974" cy="2999742"/>
               </a:xfrm>
               <a:prstGeom prst="rect">
                 <a:avLst/>
@@ -6163,7 +6166,7 @@
         </p:nvSpPr>
         <p:spPr>
           <a:xfrm>
-            <a:off x="1453257" y="1553290"/>
+            <a:off x="1033611" y="1566085"/>
             <a:ext cx="399468" cy="584775"/>
           </a:xfrm>
           <a:prstGeom prst="rect">

--- a/Write/作图-2019-positive/correlation-作图20190716/箱图作图1+2.pptx
+++ b/Write/作图-2019-positive/correlation-作图20190716/箱图作图1+2.pptx
@@ -778,9 +778,7 @@
         <cx:plotSurface>
           <cx:spPr>
             <a:solidFill>
-              <a:schemeClr val="bg1">
-                <a:lumMod val="85000"/>
-              </a:schemeClr>
+              <a:schemeClr val="bg1"/>
             </a:solidFill>
             <a:ln w="6350">
               <a:solidFill>
@@ -1465,10 +1463,7 @@
         <cx:plotSurface>
           <cx:spPr>
             <a:solidFill>
-              <a:schemeClr val="accent2">
-                <a:lumMod val="40000"/>
-                <a:lumOff val="60000"/>
-              </a:schemeClr>
+              <a:schemeClr val="bg1"/>
             </a:solidFill>
             <a:ln w="6350">
               <a:solidFill>
@@ -6039,13 +6034,13 @@
               <p:nvPr>
                 <p:extLst>
                   <p:ext uri="{D42A27DB-BD31-4B8C-83A1-F6EECF244321}">
-                    <p14:modId xmlns:p14="http://schemas.microsoft.com/office/powerpoint/2010/main" val="764667984"/>
+                    <p14:modId xmlns:p14="http://schemas.microsoft.com/office/powerpoint/2010/main" val="2660080371"/>
                   </p:ext>
                 </p:extLst>
               </p:nvPr>
             </p:nvGraphicFramePr>
             <p:xfrm>
-              <a:off x="6096000" y="1873198"/>
+              <a:off x="7031181" y="1873196"/>
               <a:ext cx="4371975" cy="3051227"/>
             </p:xfrm>
             <a:graphic>
@@ -6078,7 +6073,7 @@
             </p:blipFill>
             <p:spPr>
               <a:xfrm>
-                <a:off x="6096000" y="1873198"/>
+                <a:off x="7031181" y="1873196"/>
                 <a:ext cx="4371975" cy="3051227"/>
               </a:xfrm>
               <a:prstGeom prst="rect">
@@ -6103,7 +6098,7 @@
               <p:nvPr>
                 <p:extLst>
                   <p:ext uri="{D42A27DB-BD31-4B8C-83A1-F6EECF244321}">
-                    <p14:modId xmlns:p14="http://schemas.microsoft.com/office/powerpoint/2010/main" val="2501177289"/>
+                    <p14:modId xmlns:p14="http://schemas.microsoft.com/office/powerpoint/2010/main" val="1949773154"/>
                   </p:ext>
                 </p:extLst>
               </p:nvPr>
@@ -6202,8 +6197,8 @@
         </p:nvSpPr>
         <p:spPr>
           <a:xfrm>
-            <a:off x="5861261" y="1580810"/>
-            <a:ext cx="338199" cy="584775"/>
+            <a:off x="6690593" y="1580808"/>
+            <a:ext cx="331721" cy="584775"/>
           </a:xfrm>
           <a:prstGeom prst="rect">
             <a:avLst/>
